--- a/Fluidics_Nano_holeArray_Jorge0306.pptx
+++ b/Fluidics_Nano_holeArray_Jorge0306.pptx
@@ -4818,187 +4818,6 @@
           </a:prstGeom>
         </p:spPr>
       </p:pic>
-      <p:cxnSp>
-        <p:nvCxnSpPr>
-          <p:cNvPr id="23" name="Straight Arrow Connector 22">
-            <a:extLst>
-              <a:ext uri="{FF2B5EF4-FFF2-40B4-BE49-F238E27FC236}">
-                <a16:creationId xmlns:a16="http://schemas.microsoft.com/office/drawing/2014/main" id="{6DA7EC27-95B0-4135-AB32-F4614E37C248}"/>
-              </a:ext>
-            </a:extLst>
-          </p:cNvPr>
-          <p:cNvCxnSpPr>
-            <a:cxnSpLocks/>
-          </p:cNvCxnSpPr>
-          <p:nvPr/>
-        </p:nvCxnSpPr>
-        <p:spPr bwMode="auto">
-          <a:xfrm flipV="1">
-            <a:off x="6245045" y="4503915"/>
-            <a:ext cx="1275372" cy="1105888"/>
-          </a:xfrm>
-          <a:prstGeom prst="straightConnector1">
-            <a:avLst/>
-          </a:prstGeom>
-          <a:ln>
-            <a:tailEnd type="triangle"/>
-          </a:ln>
-        </p:spPr>
-        <p:style>
-          <a:lnRef idx="1">
-            <a:schemeClr val="accent1"/>
-          </a:lnRef>
-          <a:fillRef idx="0">
-            <a:schemeClr val="accent1"/>
-          </a:fillRef>
-          <a:effectRef idx="0">
-            <a:schemeClr val="accent1"/>
-          </a:effectRef>
-          <a:fontRef idx="minor">
-            <a:schemeClr val="tx1"/>
-          </a:fontRef>
-        </p:style>
-      </p:cxnSp>
-      <p:cxnSp>
-        <p:nvCxnSpPr>
-          <p:cNvPr id="27" name="Straight Arrow Connector 26">
-            <a:extLst>
-              <a:ext uri="{FF2B5EF4-FFF2-40B4-BE49-F238E27FC236}">
-                <a16:creationId xmlns:a16="http://schemas.microsoft.com/office/drawing/2014/main" id="{71AC5DDF-A838-48AF-8FA1-95DE6A06EDA8}"/>
-              </a:ext>
-            </a:extLst>
-          </p:cNvPr>
-          <p:cNvCxnSpPr>
-            <a:cxnSpLocks/>
-          </p:cNvCxnSpPr>
-          <p:nvPr/>
-        </p:nvCxnSpPr>
-        <p:spPr bwMode="auto">
-          <a:xfrm flipV="1">
-            <a:off x="6254917" y="4514189"/>
-            <a:ext cx="4418620" cy="1408363"/>
-          </a:xfrm>
-          <a:prstGeom prst="straightConnector1">
-            <a:avLst/>
-          </a:prstGeom>
-          <a:ln>
-            <a:solidFill>
-              <a:schemeClr val="accent2">
-                <a:lumMod val="60000"/>
-                <a:lumOff val="40000"/>
-              </a:schemeClr>
-            </a:solidFill>
-            <a:tailEnd type="triangle"/>
-          </a:ln>
-        </p:spPr>
-        <p:style>
-          <a:lnRef idx="1">
-            <a:schemeClr val="accent1"/>
-          </a:lnRef>
-          <a:fillRef idx="0">
-            <a:schemeClr val="accent1"/>
-          </a:fillRef>
-          <a:effectRef idx="0">
-            <a:schemeClr val="accent1"/>
-          </a:effectRef>
-          <a:fontRef idx="minor">
-            <a:schemeClr val="tx1"/>
-          </a:fontRef>
-        </p:style>
-      </p:cxnSp>
-      <p:cxnSp>
-        <p:nvCxnSpPr>
-          <p:cNvPr id="35" name="Straight Arrow Connector 34">
-            <a:extLst>
-              <a:ext uri="{FF2B5EF4-FFF2-40B4-BE49-F238E27FC236}">
-                <a16:creationId xmlns:a16="http://schemas.microsoft.com/office/drawing/2014/main" id="{E753A3A6-9A40-4F52-B306-A42353688C80}"/>
-              </a:ext>
-            </a:extLst>
-          </p:cNvPr>
-          <p:cNvCxnSpPr>
-            <a:cxnSpLocks/>
-          </p:cNvCxnSpPr>
-          <p:nvPr/>
-        </p:nvCxnSpPr>
-        <p:spPr bwMode="auto">
-          <a:xfrm flipV="1">
-            <a:off x="6417579" y="4603659"/>
-            <a:ext cx="1858892" cy="1515877"/>
-          </a:xfrm>
-          <a:prstGeom prst="straightConnector1">
-            <a:avLst/>
-          </a:prstGeom>
-          <a:ln>
-            <a:solidFill>
-              <a:schemeClr val="accent6">
-                <a:lumMod val="60000"/>
-                <a:lumOff val="40000"/>
-              </a:schemeClr>
-            </a:solidFill>
-            <a:tailEnd type="triangle"/>
-          </a:ln>
-        </p:spPr>
-        <p:style>
-          <a:lnRef idx="1">
-            <a:schemeClr val="accent1"/>
-          </a:lnRef>
-          <a:fillRef idx="0">
-            <a:schemeClr val="accent1"/>
-          </a:fillRef>
-          <a:effectRef idx="0">
-            <a:schemeClr val="accent1"/>
-          </a:effectRef>
-          <a:fontRef idx="minor">
-            <a:schemeClr val="tx1"/>
-          </a:fontRef>
-        </p:style>
-      </p:cxnSp>
-      <p:cxnSp>
-        <p:nvCxnSpPr>
-          <p:cNvPr id="38" name="Straight Arrow Connector 37">
-            <a:extLst>
-              <a:ext uri="{FF2B5EF4-FFF2-40B4-BE49-F238E27FC236}">
-                <a16:creationId xmlns:a16="http://schemas.microsoft.com/office/drawing/2014/main" id="{2CDB7402-C3FA-4F13-AFC2-43C49EE50D0C}"/>
-              </a:ext>
-            </a:extLst>
-          </p:cNvPr>
-          <p:cNvCxnSpPr>
-            <a:cxnSpLocks/>
-          </p:cNvCxnSpPr>
-          <p:nvPr/>
-        </p:nvCxnSpPr>
-        <p:spPr bwMode="auto">
-          <a:xfrm flipV="1">
-            <a:off x="6417579" y="5699273"/>
-            <a:ext cx="1480829" cy="733123"/>
-          </a:xfrm>
-          <a:prstGeom prst="straightConnector1">
-            <a:avLst/>
-          </a:prstGeom>
-          <a:ln>
-            <a:solidFill>
-              <a:schemeClr val="bg2">
-                <a:lumMod val="75000"/>
-              </a:schemeClr>
-            </a:solidFill>
-            <a:tailEnd type="triangle"/>
-          </a:ln>
-        </p:spPr>
-        <p:style>
-          <a:lnRef idx="1">
-            <a:schemeClr val="accent1"/>
-          </a:lnRef>
-          <a:fillRef idx="0">
-            <a:schemeClr val="accent1"/>
-          </a:fillRef>
-          <a:effectRef idx="0">
-            <a:schemeClr val="accent1"/>
-          </a:effectRef>
-          <a:fontRef idx="minor">
-            <a:schemeClr val="tx1"/>
-          </a:fontRef>
-        </p:style>
-      </p:cxnSp>
       <p:sp>
         <p:nvSpPr>
           <p:cNvPr id="41" name="TextBox 40">
